--- a/admin/Graphical-abstract-slide.pptx
+++ b/admin/Graphical-abstract-slide.pptx
@@ -107,6 +107,22 @@
       </a:defRPr>
     </a:lvl9pPr>
   </p:defaultTextStyle>
+  <p:extLst>
+    <p:ext uri="{EFAFB233-063F-42B5-8137-9DF3F51BA10A}">
+      <p15:sldGuideLst xmlns:p15="http://schemas.microsoft.com/office/powerpoint/2012/main">
+        <p15:guide id="1" orient="horz" pos="1800">
+          <p15:clr>
+            <a:srgbClr val="A4A3A4"/>
+          </p15:clr>
+        </p15:guide>
+        <p15:guide id="2" pos="2880">
+          <p15:clr>
+            <a:srgbClr val="A4A3A4"/>
+          </p15:clr>
+        </p15:guide>
+      </p15:sldGuideLst>
+    </p:ext>
+  </p:extLst>
 </p:presentation>
 </file>
 
@@ -192,7 +208,7 @@
           <a:p>
             <a:fld id="{4F903945-0F69-0E4F-9600-770A8801917E}" type="datetimeFigureOut">
               <a:rPr lang="en-US" smtClean="0"/>
-              <a:t>9/29/18</a:t>
+              <a:t>1/7/19</a:t>
             </a:fld>
             <a:endParaRPr lang="en-US"/>
           </a:p>
@@ -256,38 +272,37 @@
           <a:p>
             <a:pPr lvl="0"/>
             <a:r>
-              <a:rPr lang="en-US" smtClean="0"/>
+              <a:rPr lang="en-US"/>
               <a:t>Click to edit Master text styles</a:t>
             </a:r>
           </a:p>
           <a:p>
             <a:pPr lvl="1"/>
             <a:r>
-              <a:rPr lang="en-US" smtClean="0"/>
+              <a:rPr lang="en-US"/>
               <a:t>Second level</a:t>
             </a:r>
           </a:p>
           <a:p>
             <a:pPr lvl="2"/>
             <a:r>
-              <a:rPr lang="en-US" smtClean="0"/>
+              <a:rPr lang="en-US"/>
               <a:t>Third level</a:t>
             </a:r>
           </a:p>
           <a:p>
             <a:pPr lvl="3"/>
             <a:r>
-              <a:rPr lang="en-US" smtClean="0"/>
+              <a:rPr lang="en-US"/>
               <a:t>Fourth level</a:t>
             </a:r>
           </a:p>
           <a:p>
             <a:pPr lvl="4"/>
             <a:r>
-              <a:rPr lang="en-US" smtClean="0"/>
+              <a:rPr lang="en-US"/>
               <a:t>Fifth level</a:t>
             </a:r>
-            <a:endParaRPr lang="en-US"/>
           </a:p>
         </p:txBody>
       </p:sp>
@@ -582,10 +597,9 @@
           <a:lstStyle/>
           <a:p>
             <a:r>
-              <a:rPr lang="en-US" smtClean="0"/>
+              <a:rPr lang="en-US"/>
               <a:t>Click to edit Master title style</a:t>
             </a:r>
-            <a:endParaRPr lang="en-US"/>
           </a:p>
         </p:txBody>
       </p:sp>
@@ -701,10 +715,9 @@
           </a:lstStyle>
           <a:p>
             <a:r>
-              <a:rPr lang="en-US" smtClean="0"/>
+              <a:rPr lang="en-US"/>
               <a:t>Click to edit Master subtitle style</a:t>
             </a:r>
-            <a:endParaRPr lang="en-US"/>
           </a:p>
         </p:txBody>
       </p:sp>
@@ -725,7 +738,7 @@
           <a:p>
             <a:fld id="{1786A6D9-F980-5248-BBC9-D35E6E197933}" type="datetimeFigureOut">
               <a:rPr lang="en-US" smtClean="0"/>
-              <a:t>9/29/18</a:t>
+              <a:t>1/7/19</a:t>
             </a:fld>
             <a:endParaRPr lang="en-US"/>
           </a:p>
@@ -819,10 +832,9 @@
           <a:lstStyle/>
           <a:p>
             <a:r>
-              <a:rPr lang="en-US" smtClean="0"/>
+              <a:rPr lang="en-US"/>
               <a:t>Click to edit Master title style</a:t>
             </a:r>
-            <a:endParaRPr lang="en-US"/>
           </a:p>
         </p:txBody>
       </p:sp>
@@ -843,38 +855,37 @@
           <a:p>
             <a:pPr lvl="0"/>
             <a:r>
-              <a:rPr lang="en-US" smtClean="0"/>
+              <a:rPr lang="en-US"/>
               <a:t>Click to edit Master text styles</a:t>
             </a:r>
           </a:p>
           <a:p>
             <a:pPr lvl="1"/>
             <a:r>
-              <a:rPr lang="en-US" smtClean="0"/>
+              <a:rPr lang="en-US"/>
               <a:t>Second level</a:t>
             </a:r>
           </a:p>
           <a:p>
             <a:pPr lvl="2"/>
             <a:r>
-              <a:rPr lang="en-US" smtClean="0"/>
+              <a:rPr lang="en-US"/>
               <a:t>Third level</a:t>
             </a:r>
           </a:p>
           <a:p>
             <a:pPr lvl="3"/>
             <a:r>
-              <a:rPr lang="en-US" smtClean="0"/>
+              <a:rPr lang="en-US"/>
               <a:t>Fourth level</a:t>
             </a:r>
           </a:p>
           <a:p>
             <a:pPr lvl="4"/>
             <a:r>
-              <a:rPr lang="en-US" smtClean="0"/>
+              <a:rPr lang="en-US"/>
               <a:t>Fifth level</a:t>
             </a:r>
-            <a:endParaRPr lang="en-US"/>
           </a:p>
         </p:txBody>
       </p:sp>
@@ -895,7 +906,7 @@
           <a:p>
             <a:fld id="{1786A6D9-F980-5248-BBC9-D35E6E197933}" type="datetimeFigureOut">
               <a:rPr lang="en-US" smtClean="0"/>
-              <a:t>9/29/18</a:t>
+              <a:t>1/7/19</a:t>
             </a:fld>
             <a:endParaRPr lang="en-US"/>
           </a:p>
@@ -994,10 +1005,9 @@
           <a:lstStyle/>
           <a:p>
             <a:r>
-              <a:rPr lang="en-US" smtClean="0"/>
+              <a:rPr lang="en-US"/>
               <a:t>Click to edit Master title style</a:t>
             </a:r>
-            <a:endParaRPr lang="en-US"/>
           </a:p>
         </p:txBody>
       </p:sp>
@@ -1023,38 +1033,37 @@
           <a:p>
             <a:pPr lvl="0"/>
             <a:r>
-              <a:rPr lang="en-US" smtClean="0"/>
+              <a:rPr lang="en-US"/>
               <a:t>Click to edit Master text styles</a:t>
             </a:r>
           </a:p>
           <a:p>
             <a:pPr lvl="1"/>
             <a:r>
-              <a:rPr lang="en-US" smtClean="0"/>
+              <a:rPr lang="en-US"/>
               <a:t>Second level</a:t>
             </a:r>
           </a:p>
           <a:p>
             <a:pPr lvl="2"/>
             <a:r>
-              <a:rPr lang="en-US" smtClean="0"/>
+              <a:rPr lang="en-US"/>
               <a:t>Third level</a:t>
             </a:r>
           </a:p>
           <a:p>
             <a:pPr lvl="3"/>
             <a:r>
-              <a:rPr lang="en-US" smtClean="0"/>
+              <a:rPr lang="en-US"/>
               <a:t>Fourth level</a:t>
             </a:r>
           </a:p>
           <a:p>
             <a:pPr lvl="4"/>
             <a:r>
-              <a:rPr lang="en-US" smtClean="0"/>
+              <a:rPr lang="en-US"/>
               <a:t>Fifth level</a:t>
             </a:r>
-            <a:endParaRPr lang="en-US"/>
           </a:p>
         </p:txBody>
       </p:sp>
@@ -1075,7 +1084,7 @@
           <a:p>
             <a:fld id="{1786A6D9-F980-5248-BBC9-D35E6E197933}" type="datetimeFigureOut">
               <a:rPr lang="en-US" smtClean="0"/>
-              <a:t>9/29/18</a:t>
+              <a:t>1/7/19</a:t>
             </a:fld>
             <a:endParaRPr lang="en-US"/>
           </a:p>
@@ -1169,10 +1178,9 @@
           <a:lstStyle/>
           <a:p>
             <a:r>
-              <a:rPr lang="en-US" smtClean="0"/>
+              <a:rPr lang="en-US"/>
               <a:t>Click to edit Master title style</a:t>
             </a:r>
-            <a:endParaRPr lang="en-US"/>
           </a:p>
         </p:txBody>
       </p:sp>
@@ -1193,38 +1201,37 @@
           <a:p>
             <a:pPr lvl="0"/>
             <a:r>
-              <a:rPr lang="en-US" smtClean="0"/>
+              <a:rPr lang="en-US"/>
               <a:t>Click to edit Master text styles</a:t>
             </a:r>
           </a:p>
           <a:p>
             <a:pPr lvl="1"/>
             <a:r>
-              <a:rPr lang="en-US" smtClean="0"/>
+              <a:rPr lang="en-US"/>
               <a:t>Second level</a:t>
             </a:r>
           </a:p>
           <a:p>
             <a:pPr lvl="2"/>
             <a:r>
-              <a:rPr lang="en-US" smtClean="0"/>
+              <a:rPr lang="en-US"/>
               <a:t>Third level</a:t>
             </a:r>
           </a:p>
           <a:p>
             <a:pPr lvl="3"/>
             <a:r>
-              <a:rPr lang="en-US" smtClean="0"/>
+              <a:rPr lang="en-US"/>
               <a:t>Fourth level</a:t>
             </a:r>
           </a:p>
           <a:p>
             <a:pPr lvl="4"/>
             <a:r>
-              <a:rPr lang="en-US" smtClean="0"/>
+              <a:rPr lang="en-US"/>
               <a:t>Fifth level</a:t>
             </a:r>
-            <a:endParaRPr lang="en-US"/>
           </a:p>
         </p:txBody>
       </p:sp>
@@ -1245,7 +1252,7 @@
           <a:p>
             <a:fld id="{1786A6D9-F980-5248-BBC9-D35E6E197933}" type="datetimeFigureOut">
               <a:rPr lang="en-US" smtClean="0"/>
-              <a:t>9/29/18</a:t>
+              <a:t>1/7/19</a:t>
             </a:fld>
             <a:endParaRPr lang="en-US"/>
           </a:p>
@@ -1348,10 +1355,9 @@
           </a:lstStyle>
           <a:p>
             <a:r>
-              <a:rPr lang="en-US" smtClean="0"/>
+              <a:rPr lang="en-US"/>
               <a:t>Click to edit Master title style</a:t>
             </a:r>
-            <a:endParaRPr lang="en-US"/>
           </a:p>
         </p:txBody>
       </p:sp>
@@ -1468,7 +1474,7 @@
           <a:p>
             <a:pPr lvl="0"/>
             <a:r>
-              <a:rPr lang="en-US" smtClean="0"/>
+              <a:rPr lang="en-US"/>
               <a:t>Click to edit Master text styles</a:t>
             </a:r>
           </a:p>
@@ -1491,7 +1497,7 @@
           <a:p>
             <a:fld id="{1786A6D9-F980-5248-BBC9-D35E6E197933}" type="datetimeFigureOut">
               <a:rPr lang="en-US" smtClean="0"/>
-              <a:t>9/29/18</a:t>
+              <a:t>1/7/19</a:t>
             </a:fld>
             <a:endParaRPr lang="en-US"/>
           </a:p>
@@ -1585,10 +1591,9 @@
           <a:lstStyle/>
           <a:p>
             <a:r>
-              <a:rPr lang="en-US" smtClean="0"/>
+              <a:rPr lang="en-US"/>
               <a:t>Click to edit Master title style</a:t>
             </a:r>
-            <a:endParaRPr lang="en-US"/>
           </a:p>
         </p:txBody>
       </p:sp>
@@ -1642,38 +1647,37 @@
           <a:p>
             <a:pPr lvl="0"/>
             <a:r>
-              <a:rPr lang="en-US" smtClean="0"/>
+              <a:rPr lang="en-US"/>
               <a:t>Click to edit Master text styles</a:t>
             </a:r>
           </a:p>
           <a:p>
             <a:pPr lvl="1"/>
             <a:r>
-              <a:rPr lang="en-US" smtClean="0"/>
+              <a:rPr lang="en-US"/>
               <a:t>Second level</a:t>
             </a:r>
           </a:p>
           <a:p>
             <a:pPr lvl="2"/>
             <a:r>
-              <a:rPr lang="en-US" smtClean="0"/>
+              <a:rPr lang="en-US"/>
               <a:t>Third level</a:t>
             </a:r>
           </a:p>
           <a:p>
             <a:pPr lvl="3"/>
             <a:r>
-              <a:rPr lang="en-US" smtClean="0"/>
+              <a:rPr lang="en-US"/>
               <a:t>Fourth level</a:t>
             </a:r>
           </a:p>
           <a:p>
             <a:pPr lvl="4"/>
             <a:r>
-              <a:rPr lang="en-US" smtClean="0"/>
+              <a:rPr lang="en-US"/>
               <a:t>Fifth level</a:t>
             </a:r>
-            <a:endParaRPr lang="en-US"/>
           </a:p>
         </p:txBody>
       </p:sp>
@@ -1727,38 +1731,37 @@
           <a:p>
             <a:pPr lvl="0"/>
             <a:r>
-              <a:rPr lang="en-US" smtClean="0"/>
+              <a:rPr lang="en-US"/>
               <a:t>Click to edit Master text styles</a:t>
             </a:r>
           </a:p>
           <a:p>
             <a:pPr lvl="1"/>
             <a:r>
-              <a:rPr lang="en-US" smtClean="0"/>
+              <a:rPr lang="en-US"/>
               <a:t>Second level</a:t>
             </a:r>
           </a:p>
           <a:p>
             <a:pPr lvl="2"/>
             <a:r>
-              <a:rPr lang="en-US" smtClean="0"/>
+              <a:rPr lang="en-US"/>
               <a:t>Third level</a:t>
             </a:r>
           </a:p>
           <a:p>
             <a:pPr lvl="3"/>
             <a:r>
-              <a:rPr lang="en-US" smtClean="0"/>
+              <a:rPr lang="en-US"/>
               <a:t>Fourth level</a:t>
             </a:r>
           </a:p>
           <a:p>
             <a:pPr lvl="4"/>
             <a:r>
-              <a:rPr lang="en-US" smtClean="0"/>
+              <a:rPr lang="en-US"/>
               <a:t>Fifth level</a:t>
             </a:r>
-            <a:endParaRPr lang="en-US"/>
           </a:p>
         </p:txBody>
       </p:sp>
@@ -1779,7 +1782,7 @@
           <a:p>
             <a:fld id="{1786A6D9-F980-5248-BBC9-D35E6E197933}" type="datetimeFigureOut">
               <a:rPr lang="en-US" smtClean="0"/>
-              <a:t>9/29/18</a:t>
+              <a:t>1/7/19</a:t>
             </a:fld>
             <a:endParaRPr lang="en-US"/>
           </a:p>
@@ -1882,10 +1885,9 @@
           </a:lstStyle>
           <a:p>
             <a:r>
-              <a:rPr lang="en-US" smtClean="0"/>
+              <a:rPr lang="en-US"/>
               <a:t>Click to edit Master title style</a:t>
             </a:r>
-            <a:endParaRPr lang="en-US"/>
           </a:p>
         </p:txBody>
       </p:sp>
@@ -1948,7 +1950,7 @@
           <a:p>
             <a:pPr lvl="0"/>
             <a:r>
-              <a:rPr lang="en-US" smtClean="0"/>
+              <a:rPr lang="en-US"/>
               <a:t>Click to edit Master text styles</a:t>
             </a:r>
           </a:p>
@@ -2004,38 +2006,37 @@
           <a:p>
             <a:pPr lvl="0"/>
             <a:r>
-              <a:rPr lang="en-US" smtClean="0"/>
+              <a:rPr lang="en-US"/>
               <a:t>Click to edit Master text styles</a:t>
             </a:r>
           </a:p>
           <a:p>
             <a:pPr lvl="1"/>
             <a:r>
-              <a:rPr lang="en-US" smtClean="0"/>
+              <a:rPr lang="en-US"/>
               <a:t>Second level</a:t>
             </a:r>
           </a:p>
           <a:p>
             <a:pPr lvl="2"/>
             <a:r>
-              <a:rPr lang="en-US" smtClean="0"/>
+              <a:rPr lang="en-US"/>
               <a:t>Third level</a:t>
             </a:r>
           </a:p>
           <a:p>
             <a:pPr lvl="3"/>
             <a:r>
-              <a:rPr lang="en-US" smtClean="0"/>
+              <a:rPr lang="en-US"/>
               <a:t>Fourth level</a:t>
             </a:r>
           </a:p>
           <a:p>
             <a:pPr lvl="4"/>
             <a:r>
-              <a:rPr lang="en-US" smtClean="0"/>
+              <a:rPr lang="en-US"/>
               <a:t>Fifth level</a:t>
             </a:r>
-            <a:endParaRPr lang="en-US"/>
           </a:p>
         </p:txBody>
       </p:sp>
@@ -2098,7 +2099,7 @@
           <a:p>
             <a:pPr lvl="0"/>
             <a:r>
-              <a:rPr lang="en-US" smtClean="0"/>
+              <a:rPr lang="en-US"/>
               <a:t>Click to edit Master text styles</a:t>
             </a:r>
           </a:p>
@@ -2154,38 +2155,37 @@
           <a:p>
             <a:pPr lvl="0"/>
             <a:r>
-              <a:rPr lang="en-US" smtClean="0"/>
+              <a:rPr lang="en-US"/>
               <a:t>Click to edit Master text styles</a:t>
             </a:r>
           </a:p>
           <a:p>
             <a:pPr lvl="1"/>
             <a:r>
-              <a:rPr lang="en-US" smtClean="0"/>
+              <a:rPr lang="en-US"/>
               <a:t>Second level</a:t>
             </a:r>
           </a:p>
           <a:p>
             <a:pPr lvl="2"/>
             <a:r>
-              <a:rPr lang="en-US" smtClean="0"/>
+              <a:rPr lang="en-US"/>
               <a:t>Third level</a:t>
             </a:r>
           </a:p>
           <a:p>
             <a:pPr lvl="3"/>
             <a:r>
-              <a:rPr lang="en-US" smtClean="0"/>
+              <a:rPr lang="en-US"/>
               <a:t>Fourth level</a:t>
             </a:r>
           </a:p>
           <a:p>
             <a:pPr lvl="4"/>
             <a:r>
-              <a:rPr lang="en-US" smtClean="0"/>
+              <a:rPr lang="en-US"/>
               <a:t>Fifth level</a:t>
             </a:r>
-            <a:endParaRPr lang="en-US"/>
           </a:p>
         </p:txBody>
       </p:sp>
@@ -2206,7 +2206,7 @@
           <a:p>
             <a:fld id="{1786A6D9-F980-5248-BBC9-D35E6E197933}" type="datetimeFigureOut">
               <a:rPr lang="en-US" smtClean="0"/>
-              <a:t>9/29/18</a:t>
+              <a:t>1/7/19</a:t>
             </a:fld>
             <a:endParaRPr lang="en-US"/>
           </a:p>
@@ -2300,10 +2300,9 @@
           <a:lstStyle/>
           <a:p>
             <a:r>
-              <a:rPr lang="en-US" smtClean="0"/>
+              <a:rPr lang="en-US"/>
               <a:t>Click to edit Master title style</a:t>
             </a:r>
-            <a:endParaRPr lang="en-US"/>
           </a:p>
         </p:txBody>
       </p:sp>
@@ -2324,7 +2323,7 @@
           <a:p>
             <a:fld id="{1786A6D9-F980-5248-BBC9-D35E6E197933}" type="datetimeFigureOut">
               <a:rPr lang="en-US" smtClean="0"/>
-              <a:t>9/29/18</a:t>
+              <a:t>1/7/19</a:t>
             </a:fld>
             <a:endParaRPr lang="en-US"/>
           </a:p>
@@ -2419,7 +2418,7 @@
           <a:p>
             <a:fld id="{1786A6D9-F980-5248-BBC9-D35E6E197933}" type="datetimeFigureOut">
               <a:rPr lang="en-US" smtClean="0"/>
-              <a:t>9/29/18</a:t>
+              <a:t>1/7/19</a:t>
             </a:fld>
             <a:endParaRPr lang="en-US"/>
           </a:p>
@@ -2522,10 +2521,9 @@
           </a:lstStyle>
           <a:p>
             <a:r>
-              <a:rPr lang="en-US" smtClean="0"/>
+              <a:rPr lang="en-US"/>
               <a:t>Click to edit Master title style</a:t>
             </a:r>
-            <a:endParaRPr lang="en-US"/>
           </a:p>
         </p:txBody>
       </p:sp>
@@ -2579,38 +2577,37 @@
           <a:p>
             <a:pPr lvl="0"/>
             <a:r>
-              <a:rPr lang="en-US" smtClean="0"/>
+              <a:rPr lang="en-US"/>
               <a:t>Click to edit Master text styles</a:t>
             </a:r>
           </a:p>
           <a:p>
             <a:pPr lvl="1"/>
             <a:r>
-              <a:rPr lang="en-US" smtClean="0"/>
+              <a:rPr lang="en-US"/>
               <a:t>Second level</a:t>
             </a:r>
           </a:p>
           <a:p>
             <a:pPr lvl="2"/>
             <a:r>
-              <a:rPr lang="en-US" smtClean="0"/>
+              <a:rPr lang="en-US"/>
               <a:t>Third level</a:t>
             </a:r>
           </a:p>
           <a:p>
             <a:pPr lvl="3"/>
             <a:r>
-              <a:rPr lang="en-US" smtClean="0"/>
+              <a:rPr lang="en-US"/>
               <a:t>Fourth level</a:t>
             </a:r>
           </a:p>
           <a:p>
             <a:pPr lvl="4"/>
             <a:r>
-              <a:rPr lang="en-US" smtClean="0"/>
+              <a:rPr lang="en-US"/>
               <a:t>Fifth level</a:t>
             </a:r>
-            <a:endParaRPr lang="en-US"/>
           </a:p>
         </p:txBody>
       </p:sp>
@@ -2673,7 +2670,7 @@
           <a:p>
             <a:pPr lvl="0"/>
             <a:r>
-              <a:rPr lang="en-US" smtClean="0"/>
+              <a:rPr lang="en-US"/>
               <a:t>Click to edit Master text styles</a:t>
             </a:r>
           </a:p>
@@ -2696,7 +2693,7 @@
           <a:p>
             <a:fld id="{1786A6D9-F980-5248-BBC9-D35E6E197933}" type="datetimeFigureOut">
               <a:rPr lang="en-US" smtClean="0"/>
-              <a:t>9/29/18</a:t>
+              <a:t>1/7/19</a:t>
             </a:fld>
             <a:endParaRPr lang="en-US"/>
           </a:p>
@@ -2799,10 +2796,9 @@
           </a:lstStyle>
           <a:p>
             <a:r>
-              <a:rPr lang="en-US" smtClean="0"/>
+              <a:rPr lang="en-US"/>
               <a:t>Click to edit Master title style</a:t>
             </a:r>
-            <a:endParaRPr lang="en-US"/>
           </a:p>
         </p:txBody>
       </p:sp>
@@ -2926,7 +2922,7 @@
           <a:p>
             <a:pPr lvl="0"/>
             <a:r>
-              <a:rPr lang="en-US" smtClean="0"/>
+              <a:rPr lang="en-US"/>
               <a:t>Click to edit Master text styles</a:t>
             </a:r>
           </a:p>
@@ -2949,7 +2945,7 @@
           <a:p>
             <a:fld id="{1786A6D9-F980-5248-BBC9-D35E6E197933}" type="datetimeFigureOut">
               <a:rPr lang="en-US" smtClean="0"/>
-              <a:t>9/29/18</a:t>
+              <a:t>1/7/19</a:t>
             </a:fld>
             <a:endParaRPr lang="en-US"/>
           </a:p>
@@ -3058,10 +3054,9 @@
           <a:lstStyle/>
           <a:p>
             <a:r>
-              <a:rPr lang="en-US" smtClean="0"/>
+              <a:rPr lang="en-US"/>
               <a:t>Click to edit Master title style</a:t>
             </a:r>
-            <a:endParaRPr lang="en-US"/>
           </a:p>
         </p:txBody>
       </p:sp>
@@ -3092,38 +3087,37 @@
           <a:p>
             <a:pPr lvl="0"/>
             <a:r>
-              <a:rPr lang="en-US" smtClean="0"/>
+              <a:rPr lang="en-US"/>
               <a:t>Click to edit Master text styles</a:t>
             </a:r>
           </a:p>
           <a:p>
             <a:pPr lvl="1"/>
             <a:r>
-              <a:rPr lang="en-US" smtClean="0"/>
+              <a:rPr lang="en-US"/>
               <a:t>Second level</a:t>
             </a:r>
           </a:p>
           <a:p>
             <a:pPr lvl="2"/>
             <a:r>
-              <a:rPr lang="en-US" smtClean="0"/>
+              <a:rPr lang="en-US"/>
               <a:t>Third level</a:t>
             </a:r>
           </a:p>
           <a:p>
             <a:pPr lvl="3"/>
             <a:r>
-              <a:rPr lang="en-US" smtClean="0"/>
+              <a:rPr lang="en-US"/>
               <a:t>Fourth level</a:t>
             </a:r>
           </a:p>
           <a:p>
             <a:pPr lvl="4"/>
             <a:r>
-              <a:rPr lang="en-US" smtClean="0"/>
+              <a:rPr lang="en-US"/>
               <a:t>Fifth level</a:t>
             </a:r>
-            <a:endParaRPr lang="en-US"/>
           </a:p>
         </p:txBody>
       </p:sp>
@@ -3162,7 +3156,7 @@
           <a:p>
             <a:fld id="{1786A6D9-F980-5248-BBC9-D35E6E197933}" type="datetimeFigureOut">
               <a:rPr lang="en-US" smtClean="0"/>
-              <a:t>9/29/18</a:t>
+              <a:t>1/7/19</a:t>
             </a:fld>
             <a:endParaRPr lang="en-US"/>
           </a:p>
@@ -3539,16 +3533,22 @@
       </p:grpSpPr>
       <p:grpSp>
         <p:nvGrpSpPr>
-          <p:cNvPr id="157" name="Group 156"/>
+          <p:cNvPr id="16" name="Group 15">
+            <a:extLst>
+              <a:ext uri="{FF2B5EF4-FFF2-40B4-BE49-F238E27FC236}">
+                <a16:creationId xmlns:a16="http://schemas.microsoft.com/office/drawing/2014/main" id="{812D9A7F-8C03-CF4E-9A00-C32416AF33D4}"/>
+              </a:ext>
+            </a:extLst>
+          </p:cNvPr>
           <p:cNvGrpSpPr/>
           <p:nvPr/>
         </p:nvGrpSpPr>
         <p:grpSpPr>
           <a:xfrm>
-            <a:off x="559782" y="196022"/>
-            <a:ext cx="7976395" cy="5487049"/>
-            <a:chOff x="213242" y="181081"/>
-            <a:chExt cx="7976395" cy="5487049"/>
+            <a:off x="274109" y="147096"/>
+            <a:ext cx="8635111" cy="5318103"/>
+            <a:chOff x="274109" y="107341"/>
+            <a:chExt cx="8635111" cy="5318103"/>
           </a:xfrm>
         </p:grpSpPr>
         <p:pic>
@@ -3558,20 +3558,14 @@
             <p:nvPr/>
           </p:nvPicPr>
           <p:blipFill rotWithShape="1">
-            <a:blip r:embed="rId3">
-              <a:extLst>
-                <a:ext uri="{28A0092B-C50C-407E-A947-70E740481C1C}">
-                  <a14:useLocalDpi xmlns:a14="http://schemas.microsoft.com/office/drawing/2010/main" val="0"/>
-                </a:ext>
-              </a:extLst>
-            </a:blip>
-            <a:srcRect l="22575" t="10174" r="15606" b="8309"/>
+            <a:blip r:embed="rId3"/>
+            <a:srcRect l="22586" t="10139" r="17190" b="8071"/>
             <a:stretch/>
           </p:blipFill>
           <p:spPr bwMode="auto">
             <a:xfrm>
-              <a:off x="2634110" y="617410"/>
-              <a:ext cx="3830296" cy="5050720"/>
+              <a:off x="2673687" y="107341"/>
+              <a:ext cx="3687210" cy="5007643"/>
             </a:xfrm>
             <a:prstGeom prst="rect">
               <a:avLst/>
@@ -3581,257 +3575,38 @@
             </a:ln>
             <a:extLst>
               <a:ext uri="{53640926-AAD7-44d8-BBD7-CCE9431645EC}">
-                <a14:shadowObscured xmlns:a14="http://schemas.microsoft.com/office/drawing/2010/main"/>
+                <a14:shadowObscured xmlns:a14="http://schemas.microsoft.com/office/drawing/2010/main" xmlns=""/>
               </a:ext>
             </a:extLst>
           </p:spPr>
         </p:pic>
-        <p:grpSp>
-          <p:nvGrpSpPr>
-            <p:cNvPr id="44" name="Group 43"/>
-            <p:cNvGrpSpPr/>
+        <p:pic>
+          <p:nvPicPr>
+            <p:cNvPr id="51" name="Picture 50"/>
+            <p:cNvPicPr>
+              <a:picLocks noChangeAspect="1"/>
+            </p:cNvPicPr>
             <p:nvPr/>
-          </p:nvGrpSpPr>
-          <p:grpSpPr>
+          </p:nvPicPr>
+          <p:blipFill>
+            <a:blip r:embed="rId4"/>
+            <a:stretch>
+              <a:fillRect/>
+            </a:stretch>
+          </p:blipFill>
+          <p:spPr>
             <a:xfrm>
-              <a:off x="213242" y="181081"/>
-              <a:ext cx="2754055" cy="5330986"/>
-              <a:chOff x="0" y="0"/>
-              <a:chExt cx="3068320" cy="5939155"/>
+              <a:off x="274109" y="287463"/>
+              <a:ext cx="2720109" cy="5137981"/>
             </a:xfrm>
-          </p:grpSpPr>
-          <p:pic>
-            <p:nvPicPr>
-              <p:cNvPr id="51" name="Picture 50"/>
-              <p:cNvPicPr>
-                <a:picLocks noChangeAspect="1"/>
-              </p:cNvPicPr>
-              <p:nvPr/>
-            </p:nvPicPr>
-            <p:blipFill>
-              <a:blip r:embed="rId4">
-                <a:extLst>
-                  <a:ext uri="{28A0092B-C50C-407E-A947-70E740481C1C}">
-                    <a14:useLocalDpi xmlns:a14="http://schemas.microsoft.com/office/drawing/2010/main" val="0"/>
-                  </a:ext>
-                </a:extLst>
-              </a:blip>
-              <a:stretch>
-                <a:fillRect/>
-              </a:stretch>
-            </p:blipFill>
-            <p:spPr>
-              <a:xfrm>
-                <a:off x="0" y="0"/>
-                <a:ext cx="3068320" cy="5939155"/>
-              </a:xfrm>
-              <a:prstGeom prst="rect">
-                <a:avLst/>
-              </a:prstGeom>
-              <a:ln>
-                <a:noFill/>
-              </a:ln>
-            </p:spPr>
-          </p:pic>
-          <p:sp>
-            <p:nvSpPr>
-              <p:cNvPr id="52" name="Isosceles Triangle 51"/>
-              <p:cNvSpPr/>
-              <p:nvPr/>
-            </p:nvSpPr>
-            <p:spPr>
-              <a:xfrm>
-                <a:off x="260733" y="1068999"/>
-                <a:ext cx="172085" cy="148590"/>
-              </a:xfrm>
-              <a:prstGeom prst="triangle">
-                <a:avLst/>
-              </a:prstGeom>
-              <a:solidFill>
-                <a:srgbClr val="223296"/>
-              </a:solidFill>
-              <a:ln>
-                <a:noFill/>
-              </a:ln>
-              <a:effectLst/>
-            </p:spPr>
-            <p:style>
-              <a:lnRef idx="1">
-                <a:schemeClr val="accent1"/>
-              </a:lnRef>
-              <a:fillRef idx="3">
-                <a:schemeClr val="accent1"/>
-              </a:fillRef>
-              <a:effectRef idx="2">
-                <a:schemeClr val="accent1"/>
-              </a:effectRef>
-              <a:fontRef idx="minor">
-                <a:schemeClr val="lt1"/>
-              </a:fontRef>
-            </p:style>
-            <p:txBody>
-              <a:bodyPr rot="0" spcFirstLastPara="0" vert="horz" wrap="square" lIns="91440" tIns="45720" rIns="91440" bIns="45720" numCol="1" spcCol="0" rtlCol="0" fromWordArt="0" anchor="ctr" anchorCtr="0" forceAA="0" compatLnSpc="1">
-                <a:prstTxWarp prst="textNoShape">
-                  <a:avLst/>
-                </a:prstTxWarp>
-                <a:noAutofit/>
-              </a:bodyPr>
-              <a:lstStyle/>
-              <a:p>
-                <a:endParaRPr lang="en-US"/>
-              </a:p>
-            </p:txBody>
-          </p:sp>
-          <p:sp>
-            <p:nvSpPr>
-              <p:cNvPr id="53" name="Diamond 52"/>
-              <p:cNvSpPr/>
-              <p:nvPr/>
-            </p:nvSpPr>
-            <p:spPr>
-              <a:xfrm>
-                <a:off x="252658" y="2381724"/>
-                <a:ext cx="193675" cy="193675"/>
-              </a:xfrm>
-              <a:prstGeom prst="diamond">
-                <a:avLst/>
-              </a:prstGeom>
-              <a:solidFill>
-                <a:srgbClr val="5BB8E7"/>
-              </a:solidFill>
-              <a:ln>
-                <a:noFill/>
-              </a:ln>
-              <a:effectLst/>
-            </p:spPr>
-            <p:style>
-              <a:lnRef idx="1">
-                <a:schemeClr val="accent1"/>
-              </a:lnRef>
-              <a:fillRef idx="3">
-                <a:schemeClr val="accent1"/>
-              </a:fillRef>
-              <a:effectRef idx="2">
-                <a:schemeClr val="accent1"/>
-              </a:effectRef>
-              <a:fontRef idx="minor">
-                <a:schemeClr val="lt1"/>
-              </a:fontRef>
-            </p:style>
-            <p:txBody>
-              <a:bodyPr rot="0" spcFirstLastPara="0" vert="horz" wrap="square" lIns="91440" tIns="45720" rIns="91440" bIns="45720" numCol="1" spcCol="0" rtlCol="0" fromWordArt="0" anchor="ctr" anchorCtr="0" forceAA="0" compatLnSpc="1">
-                <a:prstTxWarp prst="textNoShape">
-                  <a:avLst/>
-                </a:prstTxWarp>
-                <a:noAutofit/>
-              </a:bodyPr>
-              <a:lstStyle/>
-              <a:p>
-                <a:endParaRPr lang="en-US"/>
-              </a:p>
-            </p:txBody>
-          </p:sp>
-          <p:sp>
-            <p:nvSpPr>
-              <p:cNvPr id="54" name="Rectangle 53"/>
-              <p:cNvSpPr/>
-              <p:nvPr/>
-            </p:nvSpPr>
-            <p:spPr>
-              <a:xfrm>
-                <a:off x="273613" y="3760765"/>
-                <a:ext cx="151130" cy="151130"/>
-              </a:xfrm>
-              <a:prstGeom prst="rect">
-                <a:avLst/>
-              </a:prstGeom>
-              <a:solidFill>
-                <a:srgbClr val="FFCC66"/>
-              </a:solidFill>
-              <a:ln>
-                <a:noFill/>
-              </a:ln>
-              <a:effectLst/>
-            </p:spPr>
-            <p:style>
-              <a:lnRef idx="1">
-                <a:schemeClr val="accent1"/>
-              </a:lnRef>
-              <a:fillRef idx="3">
-                <a:schemeClr val="accent1"/>
-              </a:fillRef>
-              <a:effectRef idx="2">
-                <a:schemeClr val="accent1"/>
-              </a:effectRef>
-              <a:fontRef idx="minor">
-                <a:schemeClr val="lt1"/>
-              </a:fontRef>
-            </p:style>
-            <p:txBody>
-              <a:bodyPr rot="0" spcFirstLastPara="0" vert="horz" wrap="square" lIns="91440" tIns="45720" rIns="91440" bIns="45720" numCol="1" spcCol="0" rtlCol="0" fromWordArt="0" anchor="ctr" anchorCtr="0" forceAA="0" compatLnSpc="1">
-                <a:prstTxWarp prst="textNoShape">
-                  <a:avLst/>
-                </a:prstTxWarp>
-                <a:noAutofit/>
-              </a:bodyPr>
-              <a:lstStyle/>
-              <a:p>
-                <a:endParaRPr lang="en-US"/>
-              </a:p>
-            </p:txBody>
-          </p:sp>
-          <p:sp>
-            <p:nvSpPr>
-              <p:cNvPr id="55" name="Oval 54"/>
-              <p:cNvSpPr/>
-              <p:nvPr/>
-            </p:nvSpPr>
-            <p:spPr>
-              <a:xfrm>
-                <a:off x="254973" y="5329850"/>
-                <a:ext cx="156846" cy="156845"/>
-              </a:xfrm>
-              <a:prstGeom prst="ellipse">
-                <a:avLst/>
-              </a:prstGeom>
-              <a:solidFill>
-                <a:schemeClr val="accent6">
-                  <a:lumMod val="75000"/>
-                </a:schemeClr>
-              </a:solidFill>
-              <a:ln>
-                <a:noFill/>
-              </a:ln>
-              <a:effectLst/>
-            </p:spPr>
-            <p:style>
-              <a:lnRef idx="1">
-                <a:schemeClr val="accent1"/>
-              </a:lnRef>
-              <a:fillRef idx="3">
-                <a:schemeClr val="accent1"/>
-              </a:fillRef>
-              <a:effectRef idx="2">
-                <a:schemeClr val="accent1"/>
-              </a:effectRef>
-              <a:fontRef idx="minor">
-                <a:schemeClr val="lt1"/>
-              </a:fontRef>
-            </p:style>
-            <p:txBody>
-              <a:bodyPr rot="0" spcFirstLastPara="0" vert="horz" wrap="square" lIns="91440" tIns="45720" rIns="91440" bIns="45720" numCol="1" spcCol="0" rtlCol="0" fromWordArt="0" anchor="ctr" anchorCtr="0" forceAA="0" compatLnSpc="1">
-                <a:prstTxWarp prst="textNoShape">
-                  <a:avLst/>
-                </a:prstTxWarp>
-                <a:noAutofit/>
-              </a:bodyPr>
-              <a:lstStyle/>
-              <a:p>
-                <a:endParaRPr lang="en-US"/>
-              </a:p>
-            </p:txBody>
-          </p:sp>
-        </p:grpSp>
+            <a:prstGeom prst="rect">
+              <a:avLst/>
+            </a:prstGeom>
+            <a:ln>
+              <a:noFill/>
+            </a:ln>
+          </p:spPr>
+        </p:pic>
         <p:sp>
           <p:nvSpPr>
             <p:cNvPr id="45" name="Text Box 15"/>
@@ -3840,8 +3615,8 @@
           </p:nvSpPr>
           <p:spPr>
             <a:xfrm>
-              <a:off x="3122667" y="2108052"/>
-              <a:ext cx="1793305" cy="887617"/>
+              <a:off x="3160967" y="1411866"/>
+              <a:ext cx="1438647" cy="1244199"/>
             </a:xfrm>
             <a:prstGeom prst="rect">
               <a:avLst/>
@@ -3857,7 +3632,7 @@
             <a:effectLst/>
             <a:extLst>
               <a:ext uri="{C572A759-6A51-4108-AA02-DFA0A04FC94B}">
-                <ma14:wrappingTextBoxFlag xmlns:ma14="http://schemas.microsoft.com/office/mac/drawingml/2011/main"/>
+                <ma14:wrappingTextBoxFlag xmlns:ma14="http://schemas.microsoft.com/office/mac/drawingml/2011/main" xmlns=""/>
               </a:ext>
             </a:extLst>
           </p:spPr>
@@ -3902,31 +3677,7 @@
                   <a:ea typeface="ＭＳ 明朝"/>
                   <a:cs typeface="Times New Roman"/>
                 </a:rPr>
-                <a:t>Juvenile geoduck deployed for 30 days, gill protein </a:t>
-              </a:r>
-              <a:r>
-                <a:rPr lang="en-US" sz="900" b="1" dirty="0" smtClean="0">
-                  <a:solidFill>
-                    <a:srgbClr val="262626"/>
-                  </a:solidFill>
-                  <a:effectLst/>
-                  <a:latin typeface="Arial"/>
-                  <a:ea typeface="ＭＳ 明朝"/>
-                  <a:cs typeface="Times New Roman"/>
-                </a:rPr>
-                <a:t>abundance compared </a:t>
-              </a:r>
-              <a:r>
-                <a:rPr lang="en-US" sz="900" b="1" dirty="0">
-                  <a:solidFill>
-                    <a:srgbClr val="262626"/>
-                  </a:solidFill>
-                  <a:effectLst/>
-                  <a:latin typeface="Arial"/>
-                  <a:ea typeface="ＭＳ 明朝"/>
-                  <a:cs typeface="Times New Roman"/>
-                </a:rPr>
-                <a:t>between habitats and bays using proteomics targeted at oxidative stress response</a:t>
+                <a:t>Juvenile geoduck deployed for 30 days, gill protein abundance compared between habitats and bays using proteomics targeted at oxidative stress response</a:t>
               </a:r>
               <a:endParaRPr lang="en-US" sz="900" dirty="0">
                 <a:effectLst/>
@@ -3944,7 +3695,7 @@
           </p:nvSpPr>
           <p:spPr>
             <a:xfrm>
-              <a:off x="4632681" y="5162859"/>
+              <a:off x="3170581" y="235359"/>
               <a:ext cx="1279825" cy="218704"/>
             </a:xfrm>
             <a:prstGeom prst="rect">
@@ -3957,7 +3708,7 @@
             <a:effectLst/>
             <a:extLst>
               <a:ext uri="{C572A759-6A51-4108-AA02-DFA0A04FC94B}">
-                <ma14:wrappingTextBoxFlag xmlns:ma14="http://schemas.microsoft.com/office/mac/drawingml/2011/main"/>
+                <ma14:wrappingTextBoxFlag xmlns:ma14="http://schemas.microsoft.com/office/mac/drawingml/2011/main" xmlns=""/>
               </a:ext>
             </a:extLst>
           </p:spPr>
@@ -4012,14 +3763,533 @@
             </a:p>
           </p:txBody>
         </p:sp>
+        <p:sp>
+          <p:nvSpPr>
+            <p:cNvPr id="109" name="Rectangle 108"/>
+            <p:cNvSpPr/>
+            <p:nvPr/>
+          </p:nvSpPr>
+          <p:spPr>
+            <a:xfrm>
+              <a:off x="6400226" y="217712"/>
+              <a:ext cx="2508994" cy="5051786"/>
+            </a:xfrm>
+            <a:prstGeom prst="rect">
+              <a:avLst/>
+            </a:prstGeom>
+            <a:solidFill>
+              <a:schemeClr val="bg1">
+                <a:lumMod val="75000"/>
+              </a:schemeClr>
+            </a:solidFill>
+            <a:ln>
+              <a:noFill/>
+            </a:ln>
+            <a:effectLst/>
+          </p:spPr>
+          <p:style>
+            <a:lnRef idx="1">
+              <a:schemeClr val="accent1"/>
+            </a:lnRef>
+            <a:fillRef idx="3">
+              <a:schemeClr val="accent1"/>
+            </a:fillRef>
+            <a:effectRef idx="2">
+              <a:schemeClr val="accent1"/>
+            </a:effectRef>
+            <a:fontRef idx="minor">
+              <a:schemeClr val="lt1"/>
+            </a:fontRef>
+          </p:style>
+          <p:txBody>
+            <a:bodyPr rtlCol="0" anchor="ctr"/>
+            <a:lstStyle/>
+            <a:p>
+              <a:pPr algn="ctr"/>
+              <a:endParaRPr lang="en-US" dirty="0"/>
+            </a:p>
+          </p:txBody>
+        </p:sp>
         <p:pic>
           <p:nvPicPr>
-            <p:cNvPr id="47" name="Picture 46" descr="IMG_5482.jpg"/>
+            <p:cNvPr id="41" name="Picture 40">
+              <a:extLst>
+                <a:ext uri="{FF2B5EF4-FFF2-40B4-BE49-F238E27FC236}">
+                  <a16:creationId xmlns:a16="http://schemas.microsoft.com/office/drawing/2014/main" id="{E09BD81E-B485-7942-A355-CB144AF9AF15}"/>
+                </a:ext>
+              </a:extLst>
+            </p:cNvPr>
+            <p:cNvPicPr>
+              <a:picLocks noChangeAspect="1"/>
+            </p:cNvPicPr>
+            <p:nvPr/>
+          </p:nvPicPr>
+          <p:blipFill>
+            <a:blip r:embed="rId5"/>
+            <a:stretch>
+              <a:fillRect/>
+            </a:stretch>
+          </p:blipFill>
+          <p:spPr>
+            <a:xfrm>
+              <a:off x="6571221" y="2894569"/>
+              <a:ext cx="2216139" cy="2216139"/>
+            </a:xfrm>
+            <a:prstGeom prst="rect">
+              <a:avLst/>
+            </a:prstGeom>
+          </p:spPr>
+        </p:pic>
+        <p:grpSp>
+          <p:nvGrpSpPr>
+            <p:cNvPr id="15" name="Group 14">
+              <a:extLst>
+                <a:ext uri="{FF2B5EF4-FFF2-40B4-BE49-F238E27FC236}">
+                  <a16:creationId xmlns:a16="http://schemas.microsoft.com/office/drawing/2014/main" id="{A86F08CD-29C1-6245-8A91-81DC08EBBBB8}"/>
+                </a:ext>
+              </a:extLst>
+            </p:cNvPr>
+            <p:cNvGrpSpPr/>
+            <p:nvPr/>
+          </p:nvGrpSpPr>
+          <p:grpSpPr>
+            <a:xfrm>
+              <a:off x="6529430" y="330437"/>
+              <a:ext cx="2257930" cy="2463196"/>
+              <a:chOff x="6680500" y="362243"/>
+              <a:chExt cx="2124040" cy="2317134"/>
+            </a:xfrm>
+          </p:grpSpPr>
+          <p:pic>
+            <p:nvPicPr>
+              <p:cNvPr id="122" name="Picture 121"/>
+              <p:cNvPicPr>
+                <a:picLocks noChangeAspect="1"/>
+              </p:cNvPicPr>
+              <p:nvPr/>
+            </p:nvPicPr>
+            <p:blipFill>
+              <a:blip r:embed="rId6"/>
+              <a:stretch>
+                <a:fillRect/>
+              </a:stretch>
+            </p:blipFill>
+            <p:spPr>
+              <a:xfrm>
+                <a:off x="6680500" y="362243"/>
+                <a:ext cx="2124040" cy="2317134"/>
+              </a:xfrm>
+              <a:prstGeom prst="rect">
+                <a:avLst/>
+              </a:prstGeom>
+            </p:spPr>
+          </p:pic>
+          <p:grpSp>
+            <p:nvGrpSpPr>
+              <p:cNvPr id="151" name="Group 150"/>
+              <p:cNvGrpSpPr/>
+              <p:nvPr/>
+            </p:nvGrpSpPr>
+            <p:grpSpPr>
+              <a:xfrm rot="16200000">
+                <a:off x="7495931" y="326863"/>
+                <a:ext cx="795339" cy="1548565"/>
+                <a:chOff x="7467543" y="680006"/>
+                <a:chExt cx="795339" cy="1588562"/>
+              </a:xfrm>
+            </p:grpSpPr>
+            <p:cxnSp>
+              <p:nvCxnSpPr>
+                <p:cNvPr id="126" name="Straight Connector 125"/>
+                <p:cNvCxnSpPr/>
+                <p:nvPr/>
+              </p:nvCxnSpPr>
+              <p:spPr>
+                <a:xfrm>
+                  <a:off x="8262882" y="682570"/>
+                  <a:ext cx="0" cy="680688"/>
+                </a:xfrm>
+                <a:prstGeom prst="line">
+                  <a:avLst/>
+                </a:prstGeom>
+                <a:ln w="3175" cmpd="sng">
+                  <a:solidFill>
+                    <a:schemeClr val="tx1">
+                      <a:lumMod val="50000"/>
+                      <a:lumOff val="50000"/>
+                    </a:schemeClr>
+                  </a:solidFill>
+                </a:ln>
+                <a:effectLst/>
+              </p:spPr>
+              <p:style>
+                <a:lnRef idx="2">
+                  <a:schemeClr val="accent1"/>
+                </a:lnRef>
+                <a:fillRef idx="0">
+                  <a:schemeClr val="accent1"/>
+                </a:fillRef>
+                <a:effectRef idx="1">
+                  <a:schemeClr val="accent1"/>
+                </a:effectRef>
+                <a:fontRef idx="minor">
+                  <a:schemeClr val="tx1"/>
+                </a:fontRef>
+              </p:style>
+            </p:cxnSp>
+            <p:cxnSp>
+              <p:nvCxnSpPr>
+                <p:cNvPr id="127" name="Straight Connector 126"/>
+                <p:cNvCxnSpPr>
+                  <a:cxnSpLocks/>
+                </p:cNvCxnSpPr>
+                <p:nvPr/>
+              </p:nvCxnSpPr>
+              <p:spPr>
+                <a:xfrm rot="5400000" flipV="1">
+                  <a:off x="7884235" y="1728481"/>
+                  <a:ext cx="0" cy="388598"/>
+                </a:xfrm>
+                <a:prstGeom prst="line">
+                  <a:avLst/>
+                </a:prstGeom>
+                <a:ln w="9525" cmpd="sng">
+                  <a:solidFill>
+                    <a:schemeClr val="bg1">
+                      <a:lumMod val="50000"/>
+                    </a:schemeClr>
+                  </a:solidFill>
+                  <a:headEnd type="triangle"/>
+                  <a:tailEnd type="none"/>
+                </a:ln>
+                <a:effectLst/>
+              </p:spPr>
+              <p:style>
+                <a:lnRef idx="2">
+                  <a:schemeClr val="accent1"/>
+                </a:lnRef>
+                <a:fillRef idx="0">
+                  <a:schemeClr val="accent1"/>
+                </a:fillRef>
+                <a:effectRef idx="1">
+                  <a:schemeClr val="accent1"/>
+                </a:effectRef>
+                <a:fontRef idx="minor">
+                  <a:schemeClr val="tx1"/>
+                </a:fontRef>
+              </p:style>
+            </p:cxnSp>
+            <p:cxnSp>
+              <p:nvCxnSpPr>
+                <p:cNvPr id="131" name="Straight Connector 130"/>
+                <p:cNvCxnSpPr/>
+                <p:nvPr/>
+              </p:nvCxnSpPr>
+              <p:spPr>
+                <a:xfrm flipV="1">
+                  <a:off x="8168744" y="1404915"/>
+                  <a:ext cx="0" cy="268737"/>
+                </a:xfrm>
+                <a:prstGeom prst="line">
+                  <a:avLst/>
+                </a:prstGeom>
+                <a:ln w="9525" cmpd="sng">
+                  <a:solidFill>
+                    <a:schemeClr val="bg1">
+                      <a:lumMod val="50000"/>
+                    </a:schemeClr>
+                  </a:solidFill>
+                  <a:headEnd type="none"/>
+                  <a:tailEnd type="triangle"/>
+                </a:ln>
+                <a:effectLst/>
+              </p:spPr>
+              <p:style>
+                <a:lnRef idx="2">
+                  <a:schemeClr val="accent1"/>
+                </a:lnRef>
+                <a:fillRef idx="0">
+                  <a:schemeClr val="accent1"/>
+                </a:fillRef>
+                <a:effectRef idx="1">
+                  <a:schemeClr val="accent1"/>
+                </a:effectRef>
+                <a:fontRef idx="minor">
+                  <a:schemeClr val="tx1"/>
+                </a:fontRef>
+              </p:style>
+            </p:cxnSp>
+            <p:grpSp>
+              <p:nvGrpSpPr>
+                <p:cNvPr id="149" name="Group 148"/>
+                <p:cNvGrpSpPr/>
+                <p:nvPr/>
+              </p:nvGrpSpPr>
+              <p:grpSpPr>
+                <a:xfrm>
+                  <a:off x="7467543" y="1587596"/>
+                  <a:ext cx="190075" cy="680972"/>
+                  <a:chOff x="7488417" y="1587596"/>
+                  <a:chExt cx="190075" cy="680972"/>
+                </a:xfrm>
+              </p:grpSpPr>
+              <p:cxnSp>
+                <p:nvCxnSpPr>
+                  <p:cNvPr id="124" name="Straight Connector 123"/>
+                  <p:cNvCxnSpPr>
+                    <a:cxnSpLocks/>
+                  </p:cNvCxnSpPr>
+                  <p:nvPr/>
+                </p:nvCxnSpPr>
+                <p:spPr>
+                  <a:xfrm rot="5400000">
+                    <a:off x="7337558" y="1928345"/>
+                    <a:ext cx="680447" cy="0"/>
+                  </a:xfrm>
+                  <a:prstGeom prst="line">
+                    <a:avLst/>
+                  </a:prstGeom>
+                  <a:ln w="3175" cmpd="sng">
+                    <a:solidFill>
+                      <a:schemeClr val="tx1">
+                        <a:lumMod val="50000"/>
+                        <a:lumOff val="50000"/>
+                      </a:schemeClr>
+                    </a:solidFill>
+                  </a:ln>
+                  <a:effectLst/>
+                </p:spPr>
+                <p:style>
+                  <a:lnRef idx="2">
+                    <a:schemeClr val="accent1"/>
+                  </a:lnRef>
+                  <a:fillRef idx="0">
+                    <a:schemeClr val="accent1"/>
+                  </a:fillRef>
+                  <a:effectRef idx="1">
+                    <a:schemeClr val="accent1"/>
+                  </a:effectRef>
+                  <a:fontRef idx="minor">
+                    <a:schemeClr val="tx1"/>
+                  </a:fontRef>
+                </p:style>
+              </p:cxnSp>
+              <p:cxnSp>
+                <p:nvCxnSpPr>
+                  <p:cNvPr id="136" name="Straight Connector 135"/>
+                  <p:cNvCxnSpPr/>
+                  <p:nvPr/>
+                </p:nvCxnSpPr>
+                <p:spPr>
+                  <a:xfrm flipH="1">
+                    <a:off x="7488419" y="1587596"/>
+                    <a:ext cx="190073" cy="0"/>
+                  </a:xfrm>
+                  <a:prstGeom prst="line">
+                    <a:avLst/>
+                  </a:prstGeom>
+                  <a:ln w="3175" cmpd="sng">
+                    <a:solidFill>
+                      <a:schemeClr val="tx1">
+                        <a:lumMod val="50000"/>
+                        <a:lumOff val="50000"/>
+                      </a:schemeClr>
+                    </a:solidFill>
+                  </a:ln>
+                  <a:effectLst/>
+                </p:spPr>
+                <p:style>
+                  <a:lnRef idx="2">
+                    <a:schemeClr val="accent1"/>
+                  </a:lnRef>
+                  <a:fillRef idx="0">
+                    <a:schemeClr val="accent1"/>
+                  </a:fillRef>
+                  <a:effectRef idx="1">
+                    <a:schemeClr val="accent1"/>
+                  </a:effectRef>
+                  <a:fontRef idx="minor">
+                    <a:schemeClr val="tx1"/>
+                  </a:fontRef>
+                </p:style>
+              </p:cxnSp>
+              <p:cxnSp>
+                <p:nvCxnSpPr>
+                  <p:cNvPr id="139" name="Straight Connector 138"/>
+                  <p:cNvCxnSpPr/>
+                  <p:nvPr/>
+                </p:nvCxnSpPr>
+                <p:spPr>
+                  <a:xfrm flipH="1">
+                    <a:off x="7488417" y="2264288"/>
+                    <a:ext cx="190073" cy="0"/>
+                  </a:xfrm>
+                  <a:prstGeom prst="line">
+                    <a:avLst/>
+                  </a:prstGeom>
+                  <a:ln w="3175" cmpd="sng">
+                    <a:solidFill>
+                      <a:schemeClr val="tx1">
+                        <a:lumMod val="50000"/>
+                        <a:lumOff val="50000"/>
+                      </a:schemeClr>
+                    </a:solidFill>
+                  </a:ln>
+                  <a:effectLst/>
+                </p:spPr>
+                <p:style>
+                  <a:lnRef idx="2">
+                    <a:schemeClr val="accent1"/>
+                  </a:lnRef>
+                  <a:fillRef idx="0">
+                    <a:schemeClr val="accent1"/>
+                  </a:fillRef>
+                  <a:effectRef idx="1">
+                    <a:schemeClr val="accent1"/>
+                  </a:effectRef>
+                  <a:fontRef idx="minor">
+                    <a:schemeClr val="tx1"/>
+                  </a:fontRef>
+                </p:style>
+              </p:cxnSp>
+            </p:grpSp>
+            <p:cxnSp>
+              <p:nvCxnSpPr>
+                <p:cNvPr id="140" name="Straight Connector 139"/>
+                <p:cNvCxnSpPr/>
+                <p:nvPr/>
+              </p:nvCxnSpPr>
+              <p:spPr>
+                <a:xfrm flipH="1">
+                  <a:off x="8071691" y="1363256"/>
+                  <a:ext cx="190073" cy="0"/>
+                </a:xfrm>
+                <a:prstGeom prst="line">
+                  <a:avLst/>
+                </a:prstGeom>
+                <a:ln w="3175" cmpd="sng">
+                  <a:solidFill>
+                    <a:schemeClr val="tx1">
+                      <a:lumMod val="50000"/>
+                      <a:lumOff val="50000"/>
+                    </a:schemeClr>
+                  </a:solidFill>
+                </a:ln>
+                <a:effectLst/>
+              </p:spPr>
+              <p:style>
+                <a:lnRef idx="2">
+                  <a:schemeClr val="accent1"/>
+                </a:lnRef>
+                <a:fillRef idx="0">
+                  <a:schemeClr val="accent1"/>
+                </a:fillRef>
+                <a:effectRef idx="1">
+                  <a:schemeClr val="accent1"/>
+                </a:effectRef>
+                <a:fontRef idx="minor">
+                  <a:schemeClr val="tx1"/>
+                </a:fontRef>
+              </p:style>
+            </p:cxnSp>
+            <p:cxnSp>
+              <p:nvCxnSpPr>
+                <p:cNvPr id="141" name="Straight Connector 140"/>
+                <p:cNvCxnSpPr/>
+                <p:nvPr/>
+              </p:nvCxnSpPr>
+              <p:spPr>
+                <a:xfrm flipH="1">
+                  <a:off x="8072667" y="680006"/>
+                  <a:ext cx="190073" cy="0"/>
+                </a:xfrm>
+                <a:prstGeom prst="line">
+                  <a:avLst/>
+                </a:prstGeom>
+                <a:ln w="3175" cmpd="sng">
+                  <a:solidFill>
+                    <a:schemeClr val="tx1">
+                      <a:lumMod val="50000"/>
+                      <a:lumOff val="50000"/>
+                    </a:schemeClr>
+                  </a:solidFill>
+                </a:ln>
+                <a:effectLst/>
+              </p:spPr>
+              <p:style>
+                <a:lnRef idx="2">
+                  <a:schemeClr val="accent1"/>
+                </a:lnRef>
+                <a:fillRef idx="0">
+                  <a:schemeClr val="accent1"/>
+                </a:fillRef>
+                <a:effectRef idx="1">
+                  <a:schemeClr val="accent1"/>
+                </a:effectRef>
+                <a:fontRef idx="minor">
+                  <a:schemeClr val="tx1"/>
+                </a:fontRef>
+              </p:style>
+            </p:cxnSp>
+          </p:grpSp>
+          <p:sp>
+            <p:nvSpPr>
+              <p:cNvPr id="154" name="TextBox 153"/>
+              <p:cNvSpPr txBox="1"/>
+              <p:nvPr/>
+            </p:nvSpPr>
+            <p:spPr>
+              <a:xfrm>
+                <a:off x="8051863" y="751805"/>
+                <a:ext cx="486179" cy="136019"/>
+              </a:xfrm>
+              <a:prstGeom prst="rect">
+                <a:avLst/>
+              </a:prstGeom>
+              <a:noFill/>
+            </p:spPr>
+            <p:txBody>
+              <a:bodyPr wrap="square" rtlCol="0">
+                <a:spAutoFit/>
+              </a:bodyPr>
+              <a:lstStyle/>
+              <a:p>
+                <a:pPr>
+                  <a:lnSpc>
+                    <a:spcPct val="50000"/>
+                  </a:lnSpc>
+                </a:pPr>
+                <a:r>
+                  <a:rPr lang="en-US" sz="550" dirty="0">
+                    <a:solidFill>
+                      <a:schemeClr val="tx1">
+                        <a:lumMod val="65000"/>
+                        <a:lumOff val="35000"/>
+                      </a:schemeClr>
+                    </a:solidFill>
+                    <a:latin typeface="Arial"/>
+                    <a:cs typeface="Arial"/>
+                  </a:rPr>
+                  <a:t>p = 1.4e-3</a:t>
+                </a:r>
+              </a:p>
+            </p:txBody>
+          </p:sp>
+        </p:grpSp>
+        <p:pic>
+          <p:nvPicPr>
+            <p:cNvPr id="48" name="Picture 47" descr="IMG_5482.jpg">
+              <a:extLst>
+                <a:ext uri="{FF2B5EF4-FFF2-40B4-BE49-F238E27FC236}">
+                  <a16:creationId xmlns:a16="http://schemas.microsoft.com/office/drawing/2014/main" id="{A156B567-F066-6545-ABA2-77C379F4B7C7}"/>
+                </a:ext>
+              </a:extLst>
+            </p:cNvPr>
             <p:cNvPicPr/>
             <p:nvPr/>
           </p:nvPicPr>
           <p:blipFill rotWithShape="1">
-            <a:blip r:embed="rId5">
+            <a:blip r:embed="rId7">
               <a:extLst>
                 <a:ext uri="{28A0092B-C50C-407E-A947-70E740481C1C}">
                   <a14:useLocalDpi xmlns:a14="http://schemas.microsoft.com/office/drawing/2010/main" val="0"/>
@@ -4031,24 +4301,85 @@
           </p:blipFill>
           <p:spPr>
             <a:xfrm>
-              <a:off x="4630342" y="3911660"/>
-              <a:ext cx="1234465" cy="1245265"/>
+              <a:off x="3273896" y="2718119"/>
+              <a:ext cx="1067687" cy="1077028"/>
             </a:xfrm>
             <a:prstGeom prst="ellipse">
               <a:avLst/>
             </a:prstGeom>
           </p:spPr>
         </p:pic>
+        <p:sp>
+          <p:nvSpPr>
+            <p:cNvPr id="59" name="Rectangle 58">
+              <a:extLst>
+                <a:ext uri="{FF2B5EF4-FFF2-40B4-BE49-F238E27FC236}">
+                  <a16:creationId xmlns:a16="http://schemas.microsoft.com/office/drawing/2014/main" id="{784943A0-E1C3-5645-A691-0FD321B99EE1}"/>
+                </a:ext>
+              </a:extLst>
+            </p:cNvPr>
+            <p:cNvSpPr/>
+            <p:nvPr/>
+          </p:nvSpPr>
+          <p:spPr>
+            <a:xfrm>
+              <a:off x="4599613" y="3201235"/>
+              <a:ext cx="1927239" cy="2165086"/>
+            </a:xfrm>
+            <a:prstGeom prst="rect">
+              <a:avLst/>
+            </a:prstGeom>
+            <a:solidFill>
+              <a:schemeClr val="bg1">
+                <a:lumMod val="85000"/>
+              </a:schemeClr>
+            </a:solidFill>
+            <a:ln>
+              <a:noFill/>
+            </a:ln>
+            <a:effectLst/>
+          </p:spPr>
+          <p:style>
+            <a:lnRef idx="1">
+              <a:schemeClr val="accent1"/>
+            </a:lnRef>
+            <a:fillRef idx="3">
+              <a:schemeClr val="accent1"/>
+            </a:fillRef>
+            <a:effectRef idx="2">
+              <a:schemeClr val="accent1"/>
+            </a:effectRef>
+            <a:fontRef idx="minor">
+              <a:schemeClr val="lt1"/>
+            </a:fontRef>
+          </p:style>
+          <p:txBody>
+            <a:bodyPr rtlCol="0" anchor="ctr"/>
+            <a:lstStyle/>
+            <a:p>
+              <a:pPr algn="ctr"/>
+              <a:endParaRPr lang="en-US"/>
+            </a:p>
+          </p:txBody>
+        </p:sp>
         <p:cxnSp>
           <p:nvCxnSpPr>
-            <p:cNvPr id="58" name="Straight Arrow Connector 57"/>
-            <p:cNvCxnSpPr/>
+            <p:cNvPr id="49" name="Straight Arrow Connector 48">
+              <a:extLst>
+                <a:ext uri="{FF2B5EF4-FFF2-40B4-BE49-F238E27FC236}">
+                  <a16:creationId xmlns:a16="http://schemas.microsoft.com/office/drawing/2014/main" id="{95CDA55B-3A32-5A4D-BA1E-560C783FA2F6}"/>
+                </a:ext>
+              </a:extLst>
+            </p:cNvPr>
+            <p:cNvCxnSpPr>
+              <a:cxnSpLocks/>
+            </p:cNvCxnSpPr>
             <p:nvPr/>
           </p:nvCxnSpPr>
           <p:spPr>
             <a:xfrm>
-              <a:off x="5624349" y="4965155"/>
-              <a:ext cx="485594" cy="0"/>
+              <a:off x="5589399" y="3642266"/>
+              <a:ext cx="0" cy="968991"/>
             </a:xfrm>
             <a:prstGeom prst="straightConnector1">
               <a:avLst/>
@@ -4082,102 +4413,20 @@
         </p:cxnSp>
         <p:sp>
           <p:nvSpPr>
-            <p:cNvPr id="109" name="Rectangle 108"/>
-            <p:cNvSpPr/>
-            <p:nvPr/>
-          </p:nvSpPr>
-          <p:spPr>
-            <a:xfrm>
-              <a:off x="6102316" y="3279128"/>
-              <a:ext cx="2081427" cy="2010640"/>
-            </a:xfrm>
-            <a:prstGeom prst="rect">
-              <a:avLst/>
-            </a:prstGeom>
-            <a:solidFill>
-              <a:schemeClr val="bg1">
-                <a:lumMod val="75000"/>
-              </a:schemeClr>
-            </a:solidFill>
-            <a:ln>
-              <a:noFill/>
-            </a:ln>
-            <a:effectLst/>
-          </p:spPr>
-          <p:style>
-            <a:lnRef idx="1">
-              <a:schemeClr val="accent1"/>
-            </a:lnRef>
-            <a:fillRef idx="3">
-              <a:schemeClr val="accent1"/>
-            </a:fillRef>
-            <a:effectRef idx="2">
-              <a:schemeClr val="accent1"/>
-            </a:effectRef>
-            <a:fontRef idx="minor">
-              <a:schemeClr val="lt1"/>
-            </a:fontRef>
-          </p:style>
-          <p:txBody>
-            <a:bodyPr rtlCol="0" anchor="ctr"/>
-            <a:lstStyle/>
-            <a:p>
-              <a:pPr algn="ctr"/>
-              <a:endParaRPr lang="en-US"/>
-            </a:p>
-          </p:txBody>
-        </p:sp>
-        <p:cxnSp>
-          <p:nvCxnSpPr>
-            <p:cNvPr id="90" name="Straight Arrow Connector 89"/>
-            <p:cNvCxnSpPr/>
-            <p:nvPr/>
-          </p:nvCxnSpPr>
-          <p:spPr>
-            <a:xfrm flipV="1">
-              <a:off x="7112346" y="2995669"/>
-              <a:ext cx="0" cy="1856446"/>
-            </a:xfrm>
-            <a:prstGeom prst="straightConnector1">
-              <a:avLst/>
-            </a:prstGeom>
-            <a:ln w="38100" cmpd="sng">
-              <a:solidFill>
-                <a:schemeClr val="tx1">
-                  <a:lumMod val="75000"/>
-                  <a:lumOff val="25000"/>
-                </a:schemeClr>
-              </a:solidFill>
-              <a:headEnd type="none"/>
-              <a:tailEnd type="triangle"/>
-            </a:ln>
-            <a:effectLst/>
-          </p:spPr>
-          <p:style>
-            <a:lnRef idx="2">
-              <a:schemeClr val="accent1"/>
-            </a:lnRef>
-            <a:fillRef idx="0">
-              <a:schemeClr val="accent1"/>
-            </a:fillRef>
-            <a:effectRef idx="1">
-              <a:schemeClr val="accent1"/>
-            </a:effectRef>
-            <a:fontRef idx="minor">
-              <a:schemeClr val="tx1"/>
-            </a:fontRef>
-          </p:style>
-        </p:cxnSp>
-        <p:sp>
-          <p:nvSpPr>
-            <p:cNvPr id="110" name="TextBox 109"/>
+            <p:cNvPr id="50" name="TextBox 49">
+              <a:extLst>
+                <a:ext uri="{FF2B5EF4-FFF2-40B4-BE49-F238E27FC236}">
+                  <a16:creationId xmlns:a16="http://schemas.microsoft.com/office/drawing/2014/main" id="{CAB370E9-D024-7C4C-909F-7570F164C792}"/>
+                </a:ext>
+              </a:extLst>
+            </p:cNvPr>
             <p:cNvSpPr txBox="1"/>
             <p:nvPr/>
           </p:nvSpPr>
           <p:spPr>
             <a:xfrm>
-              <a:off x="6117995" y="4806828"/>
-              <a:ext cx="2065748" cy="461665"/>
+              <a:off x="4652927" y="3248581"/>
+              <a:ext cx="1830277" cy="415498"/>
             </a:xfrm>
             <a:prstGeom prst="rect">
               <a:avLst/>
@@ -4192,29 +4441,31 @@
             <a:p>
               <a:pPr algn="ctr"/>
               <a:r>
-                <a:rPr lang="en-US" sz="1200" b="1" dirty="0" smtClean="0">
+                <a:rPr lang="en-US" sz="1050" b="1" dirty="0">
                   <a:latin typeface="Arial"/>
                   <a:cs typeface="Arial"/>
                 </a:rPr>
                 <a:t>2-Stage Proteomics Approach</a:t>
               </a:r>
-              <a:endParaRPr lang="en-US" sz="1200" b="1" dirty="0">
-                <a:latin typeface="Arial"/>
-                <a:cs typeface="Arial"/>
-              </a:endParaRPr>
             </a:p>
           </p:txBody>
         </p:sp>
         <p:sp>
           <p:nvSpPr>
-            <p:cNvPr id="78" name="Alternate Process 77"/>
+            <p:cNvPr id="56" name="Alternate Process 55">
+              <a:extLst>
+                <a:ext uri="{FF2B5EF4-FFF2-40B4-BE49-F238E27FC236}">
+                  <a16:creationId xmlns:a16="http://schemas.microsoft.com/office/drawing/2014/main" id="{C57D9866-D432-A84B-8BE0-1F7181D98D03}"/>
+                </a:ext>
+              </a:extLst>
+            </p:cNvPr>
             <p:cNvSpPr/>
             <p:nvPr/>
           </p:nvSpPr>
           <p:spPr>
             <a:xfrm>
-              <a:off x="6218992" y="4130466"/>
-              <a:ext cx="1839058" cy="583764"/>
+              <a:off x="4750711" y="3795147"/>
+              <a:ext cx="1704583" cy="545245"/>
             </a:xfrm>
             <a:prstGeom prst="flowChartAlternateProcess">
               <a:avLst/>
@@ -4266,7 +4517,7 @@
                 </a:spcAft>
               </a:pPr>
               <a:r>
-                <a:rPr lang="en-US" sz="1100" b="1" kern="1200" dirty="0" smtClean="0">
+                <a:rPr lang="en-US" sz="1000" b="1" kern="1200" dirty="0">
                   <a:solidFill>
                     <a:srgbClr val="000000"/>
                   </a:solidFill>
@@ -4291,7 +4542,7 @@
                 </a:spcAft>
               </a:pPr>
               <a:r>
-                <a:rPr lang="en-US" sz="850" b="1" dirty="0" smtClean="0">
+                <a:rPr lang="en-US" sz="700" b="1" dirty="0">
                   <a:solidFill>
                     <a:schemeClr val="tx1">
                       <a:lumMod val="85000"/>
@@ -4305,31 +4556,25 @@
                 </a:rPr>
                 <a:t>Data Independent Acquisition</a:t>
               </a:r>
-              <a:endParaRPr lang="en-US" sz="850" b="1" dirty="0">
-                <a:solidFill>
-                  <a:schemeClr val="tx1">
-                    <a:lumMod val="85000"/>
-                    <a:lumOff val="15000"/>
-                  </a:schemeClr>
-                </a:solidFill>
-                <a:effectLst/>
-                <a:latin typeface="Arial"/>
-                <a:ea typeface="ＭＳ 明朝"/>
-                <a:cs typeface="Arial"/>
-              </a:endParaRPr>
             </a:p>
           </p:txBody>
         </p:sp>
         <p:sp>
           <p:nvSpPr>
-            <p:cNvPr id="89" name="Alternate Process 88"/>
+            <p:cNvPr id="57" name="Alternate Process 56">
+              <a:extLst>
+                <a:ext uri="{FF2B5EF4-FFF2-40B4-BE49-F238E27FC236}">
+                  <a16:creationId xmlns:a16="http://schemas.microsoft.com/office/drawing/2014/main" id="{AF49D17A-E06A-6943-B411-ABC53FF5FAC4}"/>
+                </a:ext>
+              </a:extLst>
+            </p:cNvPr>
             <p:cNvSpPr/>
             <p:nvPr/>
           </p:nvSpPr>
           <p:spPr>
             <a:xfrm>
-              <a:off x="6218992" y="3391038"/>
-              <a:ext cx="1839058" cy="583764"/>
+              <a:off x="4711382" y="4628731"/>
+              <a:ext cx="1704583" cy="545245"/>
             </a:xfrm>
             <a:prstGeom prst="flowChartAlternateProcess">
               <a:avLst/>
@@ -4381,7 +4626,7 @@
                 </a:spcAft>
               </a:pPr>
               <a:r>
-                <a:rPr lang="en-US" sz="1100" b="1" kern="1200" dirty="0" smtClean="0">
+                <a:rPr lang="en-US" sz="1000" b="1" kern="1200" dirty="0">
                   <a:solidFill>
                     <a:srgbClr val="000000"/>
                   </a:solidFill>
@@ -4406,7 +4651,7 @@
                 </a:spcAft>
               </a:pPr>
               <a:r>
-                <a:rPr lang="en-US" sz="850" b="1" dirty="0" smtClean="0">
+                <a:rPr lang="en-US" sz="700" b="1" dirty="0">
                   <a:solidFill>
                     <a:schemeClr val="tx1">
                       <a:lumMod val="85000"/>
@@ -4420,465 +4665,58 @@
                 </a:rPr>
                 <a:t>Selected Reaction Monitoring</a:t>
               </a:r>
-              <a:endParaRPr lang="en-US" sz="850" b="1" dirty="0">
-                <a:solidFill>
-                  <a:schemeClr val="tx1">
-                    <a:lumMod val="85000"/>
-                    <a:lumOff val="15000"/>
-                  </a:schemeClr>
-                </a:solidFill>
-                <a:effectLst/>
-                <a:latin typeface="Arial"/>
-                <a:ea typeface="ＭＳ 明朝"/>
-                <a:cs typeface="Arial"/>
-              </a:endParaRPr>
             </a:p>
           </p:txBody>
         </p:sp>
-        <p:grpSp>
-          <p:nvGrpSpPr>
-            <p:cNvPr id="152" name="Group 151"/>
-            <p:cNvGrpSpPr/>
+        <p:cxnSp>
+          <p:nvCxnSpPr>
+            <p:cNvPr id="60" name="Straight Arrow Connector 59">
+              <a:extLst>
+                <a:ext uri="{FF2B5EF4-FFF2-40B4-BE49-F238E27FC236}">
+                  <a16:creationId xmlns:a16="http://schemas.microsoft.com/office/drawing/2014/main" id="{D6C7AE61-ADEC-D34B-85D8-1E9045BA7766}"/>
+                </a:ext>
+              </a:extLst>
+            </p:cNvPr>
+            <p:cNvCxnSpPr>
+              <a:cxnSpLocks/>
+            </p:cNvCxnSpPr>
             <p:nvPr/>
-          </p:nvGrpSpPr>
-          <p:grpSpPr>
-            <a:xfrm>
-              <a:off x="6064135" y="347141"/>
-              <a:ext cx="2124040" cy="2548849"/>
-              <a:chOff x="6173620" y="223058"/>
-              <a:chExt cx="2124040" cy="2548849"/>
-            </a:xfrm>
-          </p:grpSpPr>
-          <p:pic>
-            <p:nvPicPr>
-              <p:cNvPr id="122" name="Picture 121"/>
-              <p:cNvPicPr>
-                <a:picLocks noChangeAspect="1"/>
-              </p:cNvPicPr>
-              <p:nvPr/>
-            </p:nvPicPr>
-            <p:blipFill>
-              <a:blip r:embed="rId6">
-                <a:extLst>
-                  <a:ext uri="{28A0092B-C50C-407E-A947-70E740481C1C}">
-                    <a14:useLocalDpi xmlns:a14="http://schemas.microsoft.com/office/drawing/2010/main" val="0"/>
-                  </a:ext>
-                </a:extLst>
-              </a:blip>
-              <a:stretch>
-                <a:fillRect/>
-              </a:stretch>
-            </p:blipFill>
-            <p:spPr>
-              <a:xfrm>
-                <a:off x="6173620" y="223058"/>
-                <a:ext cx="2124040" cy="2548849"/>
-              </a:xfrm>
-              <a:prstGeom prst="rect">
-                <a:avLst/>
-              </a:prstGeom>
-            </p:spPr>
-          </p:pic>
-          <p:grpSp>
-            <p:nvGrpSpPr>
-              <p:cNvPr id="151" name="Group 150"/>
-              <p:cNvGrpSpPr/>
-              <p:nvPr/>
-            </p:nvGrpSpPr>
-            <p:grpSpPr>
-              <a:xfrm>
-                <a:off x="7424842" y="682570"/>
-                <a:ext cx="820247" cy="1601771"/>
-                <a:chOff x="7424842" y="682570"/>
-                <a:chExt cx="820247" cy="1601771"/>
-              </a:xfrm>
-            </p:grpSpPr>
-            <p:cxnSp>
-              <p:nvCxnSpPr>
-                <p:cNvPr id="126" name="Straight Connector 125"/>
-                <p:cNvCxnSpPr/>
-                <p:nvPr/>
-              </p:nvCxnSpPr>
-              <p:spPr>
-                <a:xfrm>
-                  <a:off x="8237854" y="682570"/>
-                  <a:ext cx="0" cy="680688"/>
-                </a:xfrm>
-                <a:prstGeom prst="line">
-                  <a:avLst/>
-                </a:prstGeom>
-                <a:ln w="12700" cmpd="sng">
-                  <a:solidFill>
-                    <a:schemeClr val="tx1">
-                      <a:lumMod val="65000"/>
-                      <a:lumOff val="35000"/>
-                    </a:schemeClr>
-                  </a:solidFill>
-                </a:ln>
-                <a:effectLst/>
-              </p:spPr>
-              <p:style>
-                <a:lnRef idx="2">
-                  <a:schemeClr val="accent1"/>
-                </a:lnRef>
-                <a:fillRef idx="0">
-                  <a:schemeClr val="accent1"/>
-                </a:fillRef>
-                <a:effectRef idx="1">
-                  <a:schemeClr val="accent1"/>
-                </a:effectRef>
-                <a:fontRef idx="minor">
-                  <a:schemeClr val="tx1"/>
-                </a:fontRef>
-              </p:style>
-            </p:cxnSp>
-            <p:cxnSp>
-              <p:nvCxnSpPr>
-                <p:cNvPr id="127" name="Straight Connector 126"/>
-                <p:cNvCxnSpPr/>
-                <p:nvPr/>
-              </p:nvCxnSpPr>
-              <p:spPr>
-                <a:xfrm>
-                  <a:off x="7654097" y="1937322"/>
-                  <a:ext cx="324288" cy="0"/>
-                </a:xfrm>
-                <a:prstGeom prst="line">
-                  <a:avLst/>
-                </a:prstGeom>
-                <a:ln w="12700" cmpd="sng">
-                  <a:solidFill>
-                    <a:schemeClr val="tx1">
-                      <a:lumMod val="65000"/>
-                      <a:lumOff val="35000"/>
-                    </a:schemeClr>
-                  </a:solidFill>
-                  <a:headEnd type="triangle"/>
-                  <a:tailEnd type="none"/>
-                </a:ln>
-                <a:effectLst/>
-              </p:spPr>
-              <p:style>
-                <a:lnRef idx="2">
-                  <a:schemeClr val="accent1"/>
-                </a:lnRef>
-                <a:fillRef idx="0">
-                  <a:schemeClr val="accent1"/>
-                </a:fillRef>
-                <a:effectRef idx="1">
-                  <a:schemeClr val="accent1"/>
-                </a:effectRef>
-                <a:fontRef idx="minor">
-                  <a:schemeClr val="tx1"/>
-                </a:fontRef>
-              </p:style>
-            </p:cxnSp>
-            <p:cxnSp>
-              <p:nvCxnSpPr>
-                <p:cNvPr id="131" name="Straight Connector 130"/>
-                <p:cNvCxnSpPr/>
-                <p:nvPr/>
-              </p:nvCxnSpPr>
-              <p:spPr>
-                <a:xfrm flipV="1">
-                  <a:off x="8153783" y="1404913"/>
-                  <a:ext cx="0" cy="268737"/>
-                </a:xfrm>
-                <a:prstGeom prst="line">
-                  <a:avLst/>
-                </a:prstGeom>
-                <a:ln w="12700" cmpd="sng">
-                  <a:solidFill>
-                    <a:schemeClr val="tx1">
-                      <a:lumMod val="65000"/>
-                      <a:lumOff val="35000"/>
-                    </a:schemeClr>
-                  </a:solidFill>
-                  <a:headEnd type="none"/>
-                  <a:tailEnd type="triangle"/>
-                </a:ln>
-                <a:effectLst/>
-              </p:spPr>
-              <p:style>
-                <a:lnRef idx="2">
-                  <a:schemeClr val="accent1"/>
-                </a:lnRef>
-                <a:fillRef idx="0">
-                  <a:schemeClr val="accent1"/>
-                </a:fillRef>
-                <a:effectRef idx="1">
-                  <a:schemeClr val="accent1"/>
-                </a:effectRef>
-                <a:fontRef idx="minor">
-                  <a:schemeClr val="tx1"/>
-                </a:fontRef>
-              </p:style>
-            </p:cxnSp>
-            <p:grpSp>
-              <p:nvGrpSpPr>
-                <p:cNvPr id="149" name="Group 148"/>
-                <p:cNvGrpSpPr/>
-                <p:nvPr/>
-              </p:nvGrpSpPr>
-              <p:grpSpPr>
-                <a:xfrm>
-                  <a:off x="7424842" y="1596623"/>
-                  <a:ext cx="190073" cy="687718"/>
-                  <a:chOff x="7445716" y="1596623"/>
-                  <a:chExt cx="190073" cy="687718"/>
-                </a:xfrm>
-              </p:grpSpPr>
-              <p:cxnSp>
-                <p:nvCxnSpPr>
-                  <p:cNvPr id="124" name="Straight Connector 123"/>
-                  <p:cNvCxnSpPr/>
-                  <p:nvPr/>
-                </p:nvCxnSpPr>
-                <p:spPr>
-                  <a:xfrm>
-                    <a:off x="7630906" y="1596623"/>
-                    <a:ext cx="0" cy="687718"/>
-                  </a:xfrm>
-                  <a:prstGeom prst="line">
-                    <a:avLst/>
-                  </a:prstGeom>
-                  <a:ln w="12700" cmpd="sng">
-                    <a:solidFill>
-                      <a:schemeClr val="tx1">
-                        <a:lumMod val="65000"/>
-                        <a:lumOff val="35000"/>
-                      </a:schemeClr>
-                    </a:solidFill>
-                  </a:ln>
-                  <a:effectLst/>
-                </p:spPr>
-                <p:style>
-                  <a:lnRef idx="2">
-                    <a:schemeClr val="accent1"/>
-                  </a:lnRef>
-                  <a:fillRef idx="0">
-                    <a:schemeClr val="accent1"/>
-                  </a:fillRef>
-                  <a:effectRef idx="1">
-                    <a:schemeClr val="accent1"/>
-                  </a:effectRef>
-                  <a:fontRef idx="minor">
-                    <a:schemeClr val="tx1"/>
-                  </a:fontRef>
-                </p:style>
-              </p:cxnSp>
-              <p:cxnSp>
-                <p:nvCxnSpPr>
-                  <p:cNvPr id="136" name="Straight Connector 135"/>
-                  <p:cNvCxnSpPr/>
-                  <p:nvPr/>
-                </p:nvCxnSpPr>
-                <p:spPr>
-                  <a:xfrm flipH="1">
-                    <a:off x="7445716" y="1600380"/>
-                    <a:ext cx="190073" cy="0"/>
-                  </a:xfrm>
-                  <a:prstGeom prst="line">
-                    <a:avLst/>
-                  </a:prstGeom>
-                  <a:ln w="12700" cmpd="sng">
-                    <a:solidFill>
-                      <a:schemeClr val="tx1">
-                        <a:lumMod val="65000"/>
-                        <a:lumOff val="35000"/>
-                      </a:schemeClr>
-                    </a:solidFill>
-                  </a:ln>
-                  <a:effectLst/>
-                </p:spPr>
-                <p:style>
-                  <a:lnRef idx="2">
-                    <a:schemeClr val="accent1"/>
-                  </a:lnRef>
-                  <a:fillRef idx="0">
-                    <a:schemeClr val="accent1"/>
-                  </a:fillRef>
-                  <a:effectRef idx="1">
-                    <a:schemeClr val="accent1"/>
-                  </a:effectRef>
-                  <a:fontRef idx="minor">
-                    <a:schemeClr val="tx1"/>
-                  </a:fontRef>
-                </p:style>
-              </p:cxnSp>
-              <p:cxnSp>
-                <p:nvCxnSpPr>
-                  <p:cNvPr id="139" name="Straight Connector 138"/>
-                  <p:cNvCxnSpPr/>
-                  <p:nvPr/>
-                </p:nvCxnSpPr>
-                <p:spPr>
-                  <a:xfrm flipH="1">
-                    <a:off x="7445716" y="2284341"/>
-                    <a:ext cx="190073" cy="0"/>
-                  </a:xfrm>
-                  <a:prstGeom prst="line">
-                    <a:avLst/>
-                  </a:prstGeom>
-                  <a:ln w="12700" cmpd="sng">
-                    <a:solidFill>
-                      <a:schemeClr val="tx1">
-                        <a:lumMod val="65000"/>
-                        <a:lumOff val="35000"/>
-                      </a:schemeClr>
-                    </a:solidFill>
-                  </a:ln>
-                  <a:effectLst/>
-                </p:spPr>
-                <p:style>
-                  <a:lnRef idx="2">
-                    <a:schemeClr val="accent1"/>
-                  </a:lnRef>
-                  <a:fillRef idx="0">
-                    <a:schemeClr val="accent1"/>
-                  </a:fillRef>
-                  <a:effectRef idx="1">
-                    <a:schemeClr val="accent1"/>
-                  </a:effectRef>
-                  <a:fontRef idx="minor">
-                    <a:schemeClr val="tx1"/>
-                  </a:fontRef>
-                </p:style>
-              </p:cxnSp>
-            </p:grpSp>
-            <p:cxnSp>
-              <p:nvCxnSpPr>
-                <p:cNvPr id="140" name="Straight Connector 139"/>
-                <p:cNvCxnSpPr/>
-                <p:nvPr/>
-              </p:nvCxnSpPr>
-              <p:spPr>
-                <a:xfrm flipH="1">
-                  <a:off x="8055016" y="1363258"/>
-                  <a:ext cx="190073" cy="0"/>
-                </a:xfrm>
-                <a:prstGeom prst="line">
-                  <a:avLst/>
-                </a:prstGeom>
-                <a:ln w="12700" cmpd="sng">
-                  <a:solidFill>
-                    <a:schemeClr val="tx1">
-                      <a:lumMod val="65000"/>
-                      <a:lumOff val="35000"/>
-                    </a:schemeClr>
-                  </a:solidFill>
-                </a:ln>
-                <a:effectLst/>
-              </p:spPr>
-              <p:style>
-                <a:lnRef idx="2">
-                  <a:schemeClr val="accent1"/>
-                </a:lnRef>
-                <a:fillRef idx="0">
-                  <a:schemeClr val="accent1"/>
-                </a:fillRef>
-                <a:effectRef idx="1">
-                  <a:schemeClr val="accent1"/>
-                </a:effectRef>
-                <a:fontRef idx="minor">
-                  <a:schemeClr val="tx1"/>
-                </a:fontRef>
-              </p:style>
-            </p:cxnSp>
-            <p:cxnSp>
-              <p:nvCxnSpPr>
-                <p:cNvPr id="141" name="Straight Connector 140"/>
-                <p:cNvCxnSpPr/>
-                <p:nvPr/>
-              </p:nvCxnSpPr>
-              <p:spPr>
-                <a:xfrm flipH="1">
-                  <a:off x="8051815" y="686049"/>
-                  <a:ext cx="190073" cy="0"/>
-                </a:xfrm>
-                <a:prstGeom prst="line">
-                  <a:avLst/>
-                </a:prstGeom>
-                <a:ln w="12700" cmpd="sng">
-                  <a:solidFill>
-                    <a:schemeClr val="tx1">
-                      <a:lumMod val="65000"/>
-                      <a:lumOff val="35000"/>
-                    </a:schemeClr>
-                  </a:solidFill>
-                </a:ln>
-                <a:effectLst/>
-              </p:spPr>
-              <p:style>
-                <a:lnRef idx="2">
-                  <a:schemeClr val="accent1"/>
-                </a:lnRef>
-                <a:fillRef idx="0">
-                  <a:schemeClr val="accent1"/>
-                </a:fillRef>
-                <a:effectRef idx="1">
-                  <a:schemeClr val="accent1"/>
-                </a:effectRef>
-                <a:fontRef idx="minor">
-                  <a:schemeClr val="tx1"/>
-                </a:fontRef>
-              </p:style>
-            </p:cxnSp>
-          </p:grpSp>
-        </p:grpSp>
-        <p:sp>
-          <p:nvSpPr>
-            <p:cNvPr id="154" name="TextBox 153"/>
-            <p:cNvSpPr txBox="1"/>
-            <p:nvPr/>
-          </p:nvSpPr>
+          </p:nvCxnSpPr>
           <p:spPr>
             <a:xfrm>
-              <a:off x="7803208" y="1920496"/>
-              <a:ext cx="386429" cy="271869"/>
+              <a:off x="4214434" y="3486011"/>
+              <a:ext cx="652534" cy="0"/>
             </a:xfrm>
-            <a:prstGeom prst="rect">
+            <a:prstGeom prst="straightConnector1">
               <a:avLst/>
             </a:prstGeom>
-            <a:noFill/>
+            <a:ln w="38100" cmpd="sng">
+              <a:solidFill>
+                <a:schemeClr val="tx1">
+                  <a:lumMod val="75000"/>
+                  <a:lumOff val="25000"/>
+                </a:schemeClr>
+              </a:solidFill>
+              <a:headEnd type="none"/>
+              <a:tailEnd type="triangle"/>
+            </a:ln>
+            <a:effectLst/>
           </p:spPr>
-          <p:txBody>
-            <a:bodyPr wrap="square" rtlCol="0">
-              <a:spAutoFit/>
-            </a:bodyPr>
-            <a:lstStyle/>
-            <a:p>
-              <a:pPr>
-                <a:lnSpc>
-                  <a:spcPct val="50000"/>
-                </a:lnSpc>
-              </a:pPr>
-              <a:r>
-                <a:rPr lang="en-US" sz="2000" dirty="0" smtClean="0">
-                  <a:solidFill>
-                    <a:schemeClr val="tx1">
-                      <a:lumMod val="65000"/>
-                      <a:lumOff val="35000"/>
-                    </a:schemeClr>
-                  </a:solidFill>
-                  <a:latin typeface="Arial"/>
-                  <a:cs typeface="Arial"/>
-                </a:rPr>
-                <a:t>**</a:t>
-              </a:r>
-              <a:endParaRPr lang="en-US" sz="2000" dirty="0">
-                <a:solidFill>
-                  <a:schemeClr val="tx1">
-                    <a:lumMod val="65000"/>
-                    <a:lumOff val="35000"/>
-                  </a:schemeClr>
-                </a:solidFill>
-                <a:latin typeface="Arial"/>
-                <a:cs typeface="Arial"/>
-              </a:endParaRPr>
-            </a:p>
-          </p:txBody>
-        </p:sp>
+          <p:style>
+            <a:lnRef idx="2">
+              <a:schemeClr val="accent1"/>
+            </a:lnRef>
+            <a:fillRef idx="0">
+              <a:schemeClr val="accent1"/>
+            </a:fillRef>
+            <a:effectRef idx="1">
+              <a:schemeClr val="accent1"/>
+            </a:effectRef>
+            <a:fontRef idx="minor">
+              <a:schemeClr val="tx1"/>
+            </a:fontRef>
+          </p:style>
+        </p:cxnSp>
       </p:grpSp>
     </p:spTree>
     <p:extLst>
